--- a/Dokumentacija.pptx
+++ b/Dokumentacija.pptx
@@ -14,6 +14,8 @@
     <p:sldId id="263" r:id="rId8"/>
     <p:sldId id="264" r:id="rId9"/>
     <p:sldId id="257" r:id="rId10"/>
+    <p:sldId id="265" r:id="rId11"/>
+    <p:sldId id="266" r:id="rId12"/>
   </p:sldIdLst>
   <p:sldSz cx="12192000" cy="6858000"/>
   <p:notesSz cx="6858000" cy="9144000"/>
@@ -112,6 +114,22 @@
       </a:defRPr>
     </a:lvl9pPr>
   </p:defaultTextStyle>
+  <p:extLst>
+    <p:ext uri="{EFAFB233-063F-42B5-8137-9DF3F51BA10A}">
+      <p15:sldGuideLst xmlns:p15="http://schemas.microsoft.com/office/powerpoint/2012/main">
+        <p15:guide id="1" orient="horz" pos="2160">
+          <p15:clr>
+            <a:srgbClr val="A4A3A4"/>
+          </p15:clr>
+        </p15:guide>
+        <p15:guide id="2" pos="3840">
+          <p15:clr>
+            <a:srgbClr val="A4A3A4"/>
+          </p15:clr>
+        </p15:guide>
+      </p15:sldGuideLst>
+    </p:ext>
+  </p:extLst>
 </p:presentation>
 </file>
 
@@ -861,7 +879,7 @@
             <a:fld id="{B61BEF0D-F0BB-DE4B-95CE-6DB70DBA9567}" type="datetimeFigureOut">
               <a:rPr lang="en-US" smtClean="0"/>
               <a:pPr/>
-              <a:t>1/10/2024</a:t>
+              <a:t>1/15/2024</a:t>
             </a:fld>
             <a:endParaRPr lang="en-US"/>
           </a:p>
@@ -1114,7 +1132,7 @@
             <a:fld id="{B61BEF0D-F0BB-DE4B-95CE-6DB70DBA9567}" type="datetimeFigureOut">
               <a:rPr lang="en-US" smtClean="0"/>
               <a:pPr/>
-              <a:t>1/10/2024</a:t>
+              <a:t>1/15/2024</a:t>
             </a:fld>
             <a:endParaRPr lang="en-US"/>
           </a:p>
@@ -1430,7 +1448,7 @@
             <a:fld id="{B61BEF0D-F0BB-DE4B-95CE-6DB70DBA9567}" type="datetimeFigureOut">
               <a:rPr lang="en-US" smtClean="0"/>
               <a:pPr/>
-              <a:t>1/10/2024</a:t>
+              <a:t>1/15/2024</a:t>
             </a:fld>
             <a:endParaRPr lang="en-US"/>
           </a:p>
@@ -1765,7 +1783,7 @@
             <a:fld id="{B61BEF0D-F0BB-DE4B-95CE-6DB70DBA9567}" type="datetimeFigureOut">
               <a:rPr lang="en-US" smtClean="0"/>
               <a:pPr/>
-              <a:t>1/10/2024</a:t>
+              <a:t>1/15/2024</a:t>
             </a:fld>
             <a:endParaRPr lang="en-US"/>
           </a:p>
@@ -2081,7 +2099,7 @@
             <a:fld id="{B61BEF0D-F0BB-DE4B-95CE-6DB70DBA9567}" type="datetimeFigureOut">
               <a:rPr lang="en-US" smtClean="0"/>
               <a:pPr/>
-              <a:t>1/10/2024</a:t>
+              <a:t>1/15/2024</a:t>
             </a:fld>
             <a:endParaRPr lang="en-US"/>
           </a:p>
@@ -2476,7 +2494,7 @@
             <a:fld id="{B61BEF0D-F0BB-DE4B-95CE-6DB70DBA9567}" type="datetimeFigureOut">
               <a:rPr lang="en-US" smtClean="0"/>
               <a:pPr/>
-              <a:t>1/10/2024</a:t>
+              <a:t>1/15/2024</a:t>
             </a:fld>
             <a:endParaRPr lang="en-US"/>
           </a:p>
@@ -2648,7 +2666,7 @@
             <a:fld id="{B61BEF0D-F0BB-DE4B-95CE-6DB70DBA9567}" type="datetimeFigureOut">
               <a:rPr lang="en-US" smtClean="0"/>
               <a:pPr/>
-              <a:t>1/10/2024</a:t>
+              <a:t>1/15/2024</a:t>
             </a:fld>
             <a:endParaRPr lang="en-US"/>
           </a:p>
@@ -2830,7 +2848,7 @@
             <a:fld id="{B61BEF0D-F0BB-DE4B-95CE-6DB70DBA9567}" type="datetimeFigureOut">
               <a:rPr lang="en-US" smtClean="0"/>
               <a:pPr/>
-              <a:t>1/10/2024</a:t>
+              <a:t>1/15/2024</a:t>
             </a:fld>
             <a:endParaRPr lang="en-US"/>
           </a:p>
@@ -3002,7 +3020,7 @@
             <a:fld id="{B61BEF0D-F0BB-DE4B-95CE-6DB70DBA9567}" type="datetimeFigureOut">
               <a:rPr lang="en-US" smtClean="0"/>
               <a:pPr/>
-              <a:t>1/10/2024</a:t>
+              <a:t>1/15/2024</a:t>
             </a:fld>
             <a:endParaRPr lang="en-US"/>
           </a:p>
@@ -3251,7 +3269,7 @@
             <a:fld id="{B61BEF0D-F0BB-DE4B-95CE-6DB70DBA9567}" type="datetimeFigureOut">
               <a:rPr lang="en-US" smtClean="0"/>
               <a:pPr/>
-              <a:t>1/10/2024</a:t>
+              <a:t>1/15/2024</a:t>
             </a:fld>
             <a:endParaRPr lang="en-US"/>
           </a:p>
@@ -3485,7 +3503,7 @@
             <a:fld id="{B61BEF0D-F0BB-DE4B-95CE-6DB70DBA9567}" type="datetimeFigureOut">
               <a:rPr lang="en-US" smtClean="0"/>
               <a:pPr/>
-              <a:t>1/10/2024</a:t>
+              <a:t>1/15/2024</a:t>
             </a:fld>
             <a:endParaRPr lang="en-US"/>
           </a:p>
@@ -3861,7 +3879,7 @@
             <a:fld id="{B61BEF0D-F0BB-DE4B-95CE-6DB70DBA9567}" type="datetimeFigureOut">
               <a:rPr lang="en-US" smtClean="0"/>
               <a:pPr/>
-              <a:t>1/10/2024</a:t>
+              <a:t>1/15/2024</a:t>
             </a:fld>
             <a:endParaRPr lang="en-US"/>
           </a:p>
@@ -3986,7 +4004,7 @@
             <a:fld id="{B61BEF0D-F0BB-DE4B-95CE-6DB70DBA9567}" type="datetimeFigureOut">
               <a:rPr lang="en-US" smtClean="0"/>
               <a:pPr/>
-              <a:t>1/10/2024</a:t>
+              <a:t>1/15/2024</a:t>
             </a:fld>
             <a:endParaRPr lang="en-US"/>
           </a:p>
@@ -4083,7 +4101,7 @@
             <a:fld id="{B61BEF0D-F0BB-DE4B-95CE-6DB70DBA9567}" type="datetimeFigureOut">
               <a:rPr lang="en-US" smtClean="0"/>
               <a:pPr/>
-              <a:t>1/10/2024</a:t>
+              <a:t>1/15/2024</a:t>
             </a:fld>
             <a:endParaRPr lang="en-US"/>
           </a:p>
@@ -4340,7 +4358,7 @@
             <a:fld id="{B61BEF0D-F0BB-DE4B-95CE-6DB70DBA9567}" type="datetimeFigureOut">
               <a:rPr lang="en-US" smtClean="0"/>
               <a:pPr/>
-              <a:t>1/10/2024</a:t>
+              <a:t>1/15/2024</a:t>
             </a:fld>
             <a:endParaRPr lang="en-US"/>
           </a:p>
@@ -4648,7 +4666,7 @@
             <a:fld id="{B61BEF0D-F0BB-DE4B-95CE-6DB70DBA9567}" type="datetimeFigureOut">
               <a:rPr lang="en-US" smtClean="0"/>
               <a:pPr/>
-              <a:t>1/10/2024</a:t>
+              <a:t>1/15/2024</a:t>
             </a:fld>
             <a:endParaRPr lang="en-US"/>
           </a:p>
@@ -5351,7 +5369,7 @@
             <a:fld id="{B61BEF0D-F0BB-DE4B-95CE-6DB70DBA9567}" type="datetimeFigureOut">
               <a:rPr lang="en-US" smtClean="0"/>
               <a:pPr/>
-              <a:t>1/10/2024</a:t>
+              <a:t>1/15/2024</a:t>
             </a:fld>
             <a:endParaRPr lang="en-US"/>
           </a:p>
@@ -5950,6 +5968,450 @@
 </p:sld>
 </file>
 
+<file path=ppt/slides/slide10.xml><?xml version="1.0" encoding="utf-8"?>
+<p:sld xmlns:a="http://schemas.openxmlformats.org/drawingml/2006/main" xmlns:r="http://schemas.openxmlformats.org/officeDocument/2006/relationships" xmlns:p="http://schemas.openxmlformats.org/presentationml/2006/main">
+  <p:cSld>
+    <p:spTree>
+      <p:nvGrpSpPr>
+        <p:cNvPr id="1" name=""/>
+        <p:cNvGrpSpPr/>
+        <p:nvPr/>
+      </p:nvGrpSpPr>
+      <p:grpSpPr>
+        <a:xfrm>
+          <a:off x="0" y="0"/>
+          <a:ext cx="0" cy="0"/>
+          <a:chOff x="0" y="0"/>
+          <a:chExt cx="0" cy="0"/>
+        </a:xfrm>
+      </p:grpSpPr>
+      <p:sp>
+        <p:nvSpPr>
+          <p:cNvPr id="2" name="Title 1"/>
+          <p:cNvSpPr>
+            <a:spLocks noGrp="1"/>
+          </p:cNvSpPr>
+          <p:nvPr>
+            <p:ph type="title"/>
+          </p:nvPr>
+        </p:nvSpPr>
+        <p:spPr/>
+        <p:txBody>
+          <a:bodyPr/>
+          <a:lstStyle/>
+          <a:p>
+            <a:r>
+              <a:rPr lang="en-US" smtClean="0"/>
+              <a:t>TCP-IP </a:t>
+            </a:r>
+            <a:r>
+              <a:rPr lang="en-US" err="1" smtClean="0"/>
+              <a:t>protokol</a:t>
+            </a:r>
+            <a:endParaRPr lang="en-US"/>
+          </a:p>
+        </p:txBody>
+      </p:sp>
+      <p:sp>
+        <p:nvSpPr>
+          <p:cNvPr id="3" name="Content Placeholder 2"/>
+          <p:cNvSpPr>
+            <a:spLocks noGrp="1"/>
+          </p:cNvSpPr>
+          <p:nvPr>
+            <p:ph idx="1"/>
+          </p:nvPr>
+        </p:nvSpPr>
+        <p:spPr/>
+        <p:txBody>
+          <a:bodyPr/>
+          <a:lstStyle/>
+          <a:p>
+            <a:r>
+              <a:rPr lang="sr-Latn-RS" dirty="0" smtClean="0"/>
+              <a:t>IP je protokol koji usmerava podatke prema odredištu</a:t>
+            </a:r>
+          </a:p>
+          <a:p>
+            <a:r>
+              <a:rPr lang="sr-Latn-RS" dirty="0" smtClean="0"/>
+              <a:t>Informacije koje su potrebne za usmeravanje nalaze se u IP zaglavlju koje se dodaje segmentu</a:t>
+            </a:r>
+          </a:p>
+          <a:p>
+            <a:r>
+              <a:rPr lang="sr-Latn-RS" dirty="0" smtClean="0"/>
+              <a:t>IP zaglavlje se </a:t>
+            </a:r>
+            <a:r>
+              <a:rPr lang="sr-Latn-RS" smtClean="0"/>
+              <a:t>sastoji </a:t>
+            </a:r>
+            <a:r>
+              <a:rPr lang="sr-Latn-RS" smtClean="0"/>
+              <a:t>od: </a:t>
+            </a:r>
+            <a:r>
+              <a:rPr lang="en-US" dirty="0" smtClean="0"/>
+              <a:t>Version</a:t>
+            </a:r>
+            <a:r>
+              <a:rPr lang="sr-Latn-RS" dirty="0" smtClean="0"/>
+              <a:t>, </a:t>
+            </a:r>
+            <a:r>
+              <a:rPr lang="en-US" dirty="0" smtClean="0"/>
+              <a:t>IHL</a:t>
+            </a:r>
+            <a:r>
+              <a:rPr lang="sr-Latn-RS" dirty="0" smtClean="0"/>
+              <a:t>, </a:t>
+            </a:r>
+            <a:r>
+              <a:rPr lang="en-US" dirty="0" smtClean="0"/>
+              <a:t>Type of service</a:t>
+            </a:r>
+            <a:r>
+              <a:rPr lang="sr-Latn-RS" dirty="0" smtClean="0"/>
+              <a:t>, </a:t>
+            </a:r>
+            <a:r>
+              <a:rPr lang="en-US" dirty="0" smtClean="0"/>
+              <a:t>Total length</a:t>
+            </a:r>
+            <a:r>
+              <a:rPr lang="sr-Latn-RS" dirty="0" smtClean="0"/>
+              <a:t>, </a:t>
+            </a:r>
+            <a:r>
+              <a:rPr lang="en-US" dirty="0" smtClean="0"/>
+              <a:t>Identification</a:t>
+            </a:r>
+            <a:r>
+              <a:rPr lang="sr-Latn-RS" dirty="0" smtClean="0"/>
+              <a:t>, </a:t>
+            </a:r>
+            <a:r>
+              <a:rPr lang="en-US" dirty="0" smtClean="0"/>
+              <a:t>Flags</a:t>
+            </a:r>
+            <a:r>
+              <a:rPr lang="sr-Latn-RS" dirty="0" smtClean="0"/>
+              <a:t>, </a:t>
+            </a:r>
+            <a:r>
+              <a:rPr lang="en-US" dirty="0" smtClean="0"/>
+              <a:t>Fragment offset</a:t>
+            </a:r>
+            <a:r>
+              <a:rPr lang="sr-Latn-RS" dirty="0" smtClean="0"/>
+              <a:t>, </a:t>
+            </a:r>
+            <a:r>
+              <a:rPr lang="en-US" dirty="0" smtClean="0"/>
+              <a:t>Time to live</a:t>
+            </a:r>
+            <a:r>
+              <a:rPr lang="sr-Latn-RS" dirty="0" smtClean="0"/>
+              <a:t>, </a:t>
+            </a:r>
+            <a:r>
+              <a:rPr lang="en-US" dirty="0" smtClean="0"/>
+              <a:t>Protocol</a:t>
+            </a:r>
+            <a:r>
+              <a:rPr lang="sr-Latn-RS" dirty="0" smtClean="0"/>
+              <a:t>, </a:t>
+            </a:r>
+            <a:r>
+              <a:rPr lang="en-US" dirty="0" smtClean="0"/>
+              <a:t>Header checksum</a:t>
+            </a:r>
+            <a:r>
+              <a:rPr lang="sr-Latn-RS" dirty="0" smtClean="0"/>
+              <a:t>, </a:t>
+            </a:r>
+            <a:r>
+              <a:rPr lang="en-US" dirty="0" smtClean="0"/>
+              <a:t>Source address</a:t>
+            </a:r>
+            <a:r>
+              <a:rPr lang="sr-Latn-RS" dirty="0" smtClean="0"/>
+              <a:t>, </a:t>
+            </a:r>
+            <a:r>
+              <a:rPr lang="en-US" dirty="0" smtClean="0"/>
+              <a:t>Destination address</a:t>
+            </a:r>
+            <a:r>
+              <a:rPr lang="sr-Latn-RS" dirty="0" smtClean="0"/>
+              <a:t>, </a:t>
+            </a:r>
+            <a:r>
+              <a:rPr lang="en-US" dirty="0" smtClean="0"/>
+              <a:t>Options</a:t>
+            </a:r>
+            <a:endParaRPr lang="sr-Latn-RS" dirty="0" smtClean="0"/>
+          </a:p>
+          <a:p>
+            <a:r>
+              <a:rPr lang="en-US" dirty="0" smtClean="0"/>
+              <a:t>N</a:t>
+            </a:r>
+            <a:r>
+              <a:rPr lang="sr-Latn-RS" dirty="0" smtClean="0"/>
+              <a:t>a nivou mreže podacima se dodaje novo zaglavlje čime se formira okvir</a:t>
+            </a:r>
+          </a:p>
+          <a:p>
+            <a:r>
+              <a:rPr lang="en-US" dirty="0" smtClean="0"/>
+              <a:t>O</a:t>
+            </a:r>
+            <a:r>
+              <a:rPr lang="sr-Latn-RS" dirty="0" smtClean="0"/>
+              <a:t>kvir se </a:t>
+            </a:r>
+            <a:r>
+              <a:rPr lang="sr-Latn-RS" smtClean="0"/>
+              <a:t>sastoji </a:t>
+            </a:r>
+            <a:r>
+              <a:rPr lang="sr-Latn-RS" smtClean="0"/>
+              <a:t>od: </a:t>
+            </a:r>
+            <a:r>
+              <a:rPr lang="en-US" dirty="0" smtClean="0"/>
+              <a:t>Preamble</a:t>
+            </a:r>
+            <a:r>
+              <a:rPr lang="sr-Latn-RS" dirty="0" smtClean="0"/>
+              <a:t>, </a:t>
+            </a:r>
+            <a:r>
+              <a:rPr lang="en-US" dirty="0" smtClean="0"/>
+              <a:t>Start frame delimiter</a:t>
+            </a:r>
+            <a:r>
+              <a:rPr lang="sr-Latn-RS" dirty="0" smtClean="0"/>
+              <a:t>, </a:t>
+            </a:r>
+            <a:r>
+              <a:rPr lang="en-US" dirty="0" smtClean="0"/>
+              <a:t>Destination MAC address</a:t>
+            </a:r>
+            <a:r>
+              <a:rPr lang="sr-Latn-RS" dirty="0" smtClean="0"/>
+              <a:t>, </a:t>
+            </a:r>
+            <a:r>
+              <a:rPr lang="en-US" dirty="0" smtClean="0"/>
+              <a:t>Source MAC address</a:t>
+            </a:r>
+            <a:r>
+              <a:rPr lang="sr-Latn-RS" dirty="0" smtClean="0"/>
+              <a:t>, </a:t>
+            </a:r>
+            <a:r>
+              <a:rPr lang="en-US" dirty="0" smtClean="0"/>
+              <a:t>Length</a:t>
+            </a:r>
+            <a:r>
+              <a:rPr lang="sr-Latn-RS" dirty="0" smtClean="0"/>
+              <a:t>, </a:t>
+            </a:r>
+            <a:r>
+              <a:rPr lang="en-US" dirty="0" smtClean="0"/>
+              <a:t>Data/</a:t>
+            </a:r>
+            <a:r>
+              <a:rPr lang="en-US" dirty="0" err="1" smtClean="0"/>
+              <a:t>Pading</a:t>
+            </a:r>
+            <a:r>
+              <a:rPr lang="sr-Latn-RS" dirty="0" smtClean="0"/>
+              <a:t>, </a:t>
+            </a:r>
+            <a:r>
+              <a:rPr lang="en-US" dirty="0" smtClean="0"/>
+              <a:t>FCS</a:t>
+            </a:r>
+            <a:endParaRPr lang="sr-Latn-RS" dirty="0" smtClean="0"/>
+          </a:p>
+          <a:p>
+            <a:endParaRPr lang="sr-Latn-RS" dirty="0" smtClean="0"/>
+          </a:p>
+          <a:p>
+            <a:endParaRPr lang="sr-Latn-RS" dirty="0" smtClean="0"/>
+          </a:p>
+          <a:p>
+            <a:endParaRPr lang="en-US" dirty="0"/>
+          </a:p>
+        </p:txBody>
+      </p:sp>
+    </p:spTree>
+    <p:extLst>
+      <p:ext uri="{BB962C8B-B14F-4D97-AF65-F5344CB8AC3E}">
+        <p14:creationId xmlns:p14="http://schemas.microsoft.com/office/powerpoint/2010/main" val="874495937"/>
+      </p:ext>
+    </p:extLst>
+  </p:cSld>
+  <p:clrMapOvr>
+    <a:masterClrMapping/>
+  </p:clrMapOvr>
+</p:sld>
+</file>
+
+<file path=ppt/slides/slide11.xml><?xml version="1.0" encoding="utf-8"?>
+<p:sld xmlns:a="http://schemas.openxmlformats.org/drawingml/2006/main" xmlns:r="http://schemas.openxmlformats.org/officeDocument/2006/relationships" xmlns:p="http://schemas.openxmlformats.org/presentationml/2006/main">
+  <p:cSld>
+    <p:spTree>
+      <p:nvGrpSpPr>
+        <p:cNvPr id="1" name=""/>
+        <p:cNvGrpSpPr/>
+        <p:nvPr/>
+      </p:nvGrpSpPr>
+      <p:grpSpPr>
+        <a:xfrm>
+          <a:off x="0" y="0"/>
+          <a:ext cx="0" cy="0"/>
+          <a:chOff x="0" y="0"/>
+          <a:chExt cx="0" cy="0"/>
+        </a:xfrm>
+      </p:grpSpPr>
+      <p:sp>
+        <p:nvSpPr>
+          <p:cNvPr id="2" name="Title 1"/>
+          <p:cNvSpPr>
+            <a:spLocks noGrp="1"/>
+          </p:cNvSpPr>
+          <p:nvPr>
+            <p:ph type="title"/>
+          </p:nvPr>
+        </p:nvSpPr>
+        <p:spPr/>
+        <p:txBody>
+          <a:bodyPr/>
+          <a:lstStyle/>
+          <a:p>
+            <a:r>
+              <a:rPr lang="sr-Latn-RS" dirty="0" smtClean="0"/>
+              <a:t>Funkcije</a:t>
+            </a:r>
+            <a:endParaRPr lang="en-US" dirty="0"/>
+          </a:p>
+        </p:txBody>
+      </p:sp>
+      <p:sp>
+        <p:nvSpPr>
+          <p:cNvPr id="3" name="Content Placeholder 2"/>
+          <p:cNvSpPr>
+            <a:spLocks noGrp="1"/>
+          </p:cNvSpPr>
+          <p:nvPr>
+            <p:ph idx="1"/>
+          </p:nvPr>
+        </p:nvSpPr>
+        <p:spPr/>
+        <p:txBody>
+          <a:bodyPr>
+            <a:normAutofit lnSpcReduction="10000"/>
+          </a:bodyPr>
+          <a:lstStyle/>
+          <a:p>
+            <a:endParaRPr lang="sr-Latn-RS" dirty="0" smtClean="0"/>
+          </a:p>
+          <a:p>
+            <a:r>
+              <a:rPr lang="sr-Latn-RS" dirty="0" smtClean="0"/>
+              <a:t>socket – formira socket</a:t>
+            </a:r>
+          </a:p>
+          <a:p>
+            <a:r>
+              <a:rPr lang="sr-Latn-RS" dirty="0" smtClean="0"/>
+              <a:t>bind – pridružuje IP adresu i komunikacionu liniju socket-u</a:t>
+            </a:r>
+          </a:p>
+          <a:p>
+            <a:r>
+              <a:rPr lang="en-US" dirty="0" smtClean="0"/>
+              <a:t>l</a:t>
+            </a:r>
+            <a:r>
+              <a:rPr lang="sr-Latn-RS" dirty="0" smtClean="0"/>
+              <a:t>isten – prevodi socket u stanje slušanja dolazne veze</a:t>
+            </a:r>
+          </a:p>
+          <a:p>
+            <a:r>
+              <a:rPr lang="sr-Latn-RS" dirty="0" smtClean="0"/>
+              <a:t>accept – prihvata dolaznu vezu</a:t>
+            </a:r>
+          </a:p>
+          <a:p>
+            <a:r>
+              <a:rPr lang="sr-Latn-RS" dirty="0" smtClean="0"/>
+              <a:t>connect – uspostavlja vezu</a:t>
+            </a:r>
+          </a:p>
+          <a:p>
+            <a:r>
+              <a:rPr lang="sr-Latn-RS" dirty="0" smtClean="0"/>
+              <a:t>send – šalje podatke</a:t>
+            </a:r>
+          </a:p>
+          <a:p>
+            <a:r>
+              <a:rPr lang="sr-Latn-RS" dirty="0" smtClean="0"/>
+              <a:t>recv – prima podatke</a:t>
+            </a:r>
+          </a:p>
+          <a:p>
+            <a:r>
+              <a:rPr lang="sr-Latn-RS" dirty="0" smtClean="0"/>
+              <a:t>close – zatvara otvorenu utičnicu</a:t>
+            </a:r>
+            <a:endParaRPr lang="en-AU" dirty="0" smtClean="0"/>
+          </a:p>
+          <a:p>
+            <a:r>
+              <a:rPr lang="sr-Latn-RS" dirty="0" smtClean="0"/>
+              <a:t>k</a:t>
+            </a:r>
+            <a:r>
+              <a:rPr lang="en-AU" dirty="0" smtClean="0"/>
+              <a:t>ill – </a:t>
+            </a:r>
+            <a:r>
+              <a:rPr lang="sr-Latn-RS" dirty="0" smtClean="0"/>
+              <a:t>šalje signal klijentu da nastavi sa radom</a:t>
+            </a:r>
+          </a:p>
+          <a:p>
+            <a:endParaRPr lang="sr-Latn-RS" dirty="0" smtClean="0"/>
+          </a:p>
+          <a:p>
+            <a:endParaRPr lang="sr-Latn-RS" dirty="0" smtClean="0"/>
+          </a:p>
+          <a:p>
+            <a:endParaRPr lang="en-US" dirty="0"/>
+          </a:p>
+        </p:txBody>
+      </p:sp>
+    </p:spTree>
+    <p:extLst>
+      <p:ext uri="{BB962C8B-B14F-4D97-AF65-F5344CB8AC3E}">
+        <p14:creationId xmlns:p14="http://schemas.microsoft.com/office/powerpoint/2010/main" val="874495937"/>
+      </p:ext>
+    </p:extLst>
+  </p:cSld>
+  <p:clrMapOvr>
+    <a:masterClrMapping/>
+  </p:clrMapOvr>
+</p:sld>
+</file>
+
 <file path=ppt/slides/slide2.xml><?xml version="1.0" encoding="utf-8"?>
 <p:sld xmlns:a="http://schemas.openxmlformats.org/drawingml/2006/main" xmlns:r="http://schemas.openxmlformats.org/officeDocument/2006/relationships" xmlns:p="http://schemas.openxmlformats.org/presentationml/2006/main">
   <p:cSld>
@@ -6759,8 +7221,17 @@
           <a:p>
             <a:r>
               <a:rPr lang="sr-Latn-RS" smtClean="0"/>
-              <a:t>main() – inicijalizacija, soket, povezivanje sa serverom, pokretanje igre, biram svoja polja i šaljem izbor serveru, čekam na signal za potez, pogađanje, provera kraja igre</a:t>
-            </a:r>
+              <a:t>main() – inicijalizacija, soket, povezivanje sa serverom, pokretanje igre, biram svoja polja i šaljem izbor serveru, čekam na signal za potez, pogađanje, provera kraja </a:t>
+            </a:r>
+            <a:r>
+              <a:rPr lang="sr-Latn-RS" smtClean="0"/>
+              <a:t>igre</a:t>
+            </a:r>
+            <a:r>
+              <a:rPr lang="en-US" smtClean="0"/>
+              <a:t>.</a:t>
+            </a:r>
+            <a:endParaRPr lang="sr-Latn-RS" smtClean="0"/>
           </a:p>
           <a:p>
             <a:endParaRPr lang="sr-Latn-RS" smtClean="0"/>
@@ -6849,70 +7320,177 @@
           <a:lstStyle/>
           <a:p>
             <a:r>
-              <a:rPr lang="en-US" err="1" smtClean="0"/>
-              <a:t>Neki</a:t>
-            </a:r>
-            <a:r>
-              <a:rPr lang="en-US" smtClean="0"/>
+              <a:rPr lang="sr-Latn-RS" dirty="0" smtClean="0"/>
+              <a:t>TCP-IP model sadrži </a:t>
+            </a:r>
+            <a:r>
+              <a:rPr lang="sr-Latn-RS" smtClean="0"/>
+              <a:t>4 </a:t>
+            </a:r>
+            <a:r>
+              <a:rPr lang="sr-Latn-RS" smtClean="0"/>
+              <a:t>sloja: </a:t>
+            </a:r>
+            <a:r>
+              <a:rPr lang="sr-Latn-RS" dirty="0" smtClean="0"/>
+              <a:t>aplikativni, transportni, internet i mrežni sloj</a:t>
+            </a:r>
+          </a:p>
+          <a:p>
+            <a:r>
+              <a:rPr lang="en-AU" dirty="0" smtClean="0"/>
+              <a:t>TCP k</a:t>
+            </a:r>
+            <a:r>
+              <a:rPr lang="sr-Latn-RS" dirty="0" smtClean="0"/>
+              <a:t>oristi mehanizam numerisanja (SEQ) i </a:t>
+            </a:r>
+            <a:r>
+              <a:rPr lang="sr-Latn-RS" smtClean="0"/>
+              <a:t>potvrde </a:t>
+            </a:r>
+            <a:r>
+              <a:rPr lang="sr-Latn-RS" smtClean="0"/>
+              <a:t>prijem</a:t>
+            </a:r>
+            <a:r>
+              <a:rPr lang="en-US" smtClean="0"/>
+              <a:t>a</a:t>
+            </a:r>
+            <a:r>
+              <a:rPr lang="sr-Latn-RS" smtClean="0"/>
               <a:t> </a:t>
             </a:r>
             <a:r>
-              <a:rPr lang="en-US" err="1" smtClean="0"/>
-              <a:t>tekst</a:t>
-            </a:r>
-            <a:r>
-              <a:rPr lang="en-US" smtClean="0"/>
+              <a:rPr lang="sr-Latn-RS" dirty="0" smtClean="0"/>
+              <a:t>(ACK), pa predstavlja pouzdanu isporuku korisničkih podataka</a:t>
+            </a:r>
+          </a:p>
+          <a:p>
+            <a:r>
+              <a:rPr lang="en-US" dirty="0" smtClean="0"/>
+              <a:t>O</a:t>
+            </a:r>
+            <a:r>
+              <a:rPr lang="sr-Latn-RS" dirty="0" smtClean="0"/>
+              <a:t>snovna jedinica prenosa TCP-a je segment podataka</a:t>
+            </a:r>
+          </a:p>
+          <a:p>
+            <a:r>
+              <a:rPr lang="sr-Latn-RS" dirty="0" smtClean="0"/>
+              <a:t>Segment podataka se sastoji od zaglavlja i dela za podatke</a:t>
+            </a:r>
+          </a:p>
+          <a:p>
+            <a:r>
+              <a:rPr lang="en-US" dirty="0" smtClean="0"/>
+              <a:t>Z</a:t>
+            </a:r>
+            <a:r>
+              <a:rPr lang="sr-Latn-RS" dirty="0" smtClean="0"/>
+              <a:t>aglavlje se </a:t>
+            </a:r>
+            <a:r>
+              <a:rPr lang="sr-Latn-RS" smtClean="0"/>
+              <a:t>sastoji </a:t>
+            </a:r>
+            <a:r>
+              <a:rPr lang="sr-Latn-RS" smtClean="0"/>
+              <a:t>iz: </a:t>
+            </a:r>
+            <a:r>
+              <a:rPr lang="sr-Latn-RS" dirty="0" smtClean="0"/>
+              <a:t>S</a:t>
+            </a:r>
+            <a:r>
+              <a:rPr lang="en-US" dirty="0" err="1" smtClean="0"/>
+              <a:t>ource</a:t>
+            </a:r>
+            <a:r>
+              <a:rPr lang="en-US" dirty="0" smtClean="0"/>
               <a:t> </a:t>
             </a:r>
             <a:r>
-              <a:rPr lang="en-US" err="1" smtClean="0"/>
-              <a:t>opis</a:t>
-            </a:r>
-            <a:r>
-              <a:rPr lang="en-US" smtClean="0"/>
-              <a:t> (</a:t>
-            </a:r>
-            <a:r>
-              <a:rPr lang="en-US" err="1" smtClean="0"/>
-              <a:t>najlakse</a:t>
-            </a:r>
-            <a:r>
-              <a:rPr lang="en-US" smtClean="0"/>
-              <a:t> </a:t>
-            </a:r>
-            <a:r>
-              <a:rPr lang="en-US" err="1" smtClean="0"/>
-              <a:t>kopirati</a:t>
-            </a:r>
-            <a:r>
-              <a:rPr lang="en-US" smtClean="0"/>
-              <a:t> </a:t>
-            </a:r>
-            <a:r>
-              <a:rPr lang="en-US" err="1" smtClean="0"/>
-              <a:t>ono</a:t>
-            </a:r>
-            <a:r>
-              <a:rPr lang="en-US" smtClean="0"/>
-              <a:t> </a:t>
-            </a:r>
-            <a:r>
-              <a:rPr lang="en-US" err="1" smtClean="0"/>
-              <a:t>sa</a:t>
-            </a:r>
-            <a:r>
-              <a:rPr lang="en-US" smtClean="0"/>
-              <a:t> pdf </a:t>
-            </a:r>
-            <a:r>
-              <a:rPr lang="en-US" err="1" smtClean="0"/>
-              <a:t>vezbi</a:t>
-            </a:r>
-            <a:r>
-              <a:rPr lang="en-US" smtClean="0"/>
-              <a:t>)</a:t>
-            </a:r>
-            <a:endParaRPr lang="en-US"/>
+              <a:rPr lang="sr-Latn-RS" dirty="0" smtClean="0"/>
+              <a:t>i D</a:t>
+            </a:r>
+            <a:r>
+              <a:rPr lang="en-US" dirty="0" err="1" smtClean="0"/>
+              <a:t>estination</a:t>
+            </a:r>
+            <a:r>
+              <a:rPr lang="en-US" dirty="0" smtClean="0"/>
+              <a:t> port</a:t>
+            </a:r>
+            <a:r>
+              <a:rPr lang="sr-Latn-RS" dirty="0" smtClean="0"/>
+              <a:t>, </a:t>
+            </a:r>
+            <a:r>
+              <a:rPr lang="en-US" dirty="0" smtClean="0"/>
+              <a:t>Sequence</a:t>
+            </a:r>
+            <a:r>
+              <a:rPr lang="sr-Latn-RS" dirty="0" smtClean="0"/>
+              <a:t> i </a:t>
+            </a:r>
+            <a:r>
+              <a:rPr lang="en-US" dirty="0" smtClean="0"/>
+              <a:t>Acknowledgment number</a:t>
+            </a:r>
+            <a:r>
+              <a:rPr lang="sr-Latn-RS" dirty="0" smtClean="0"/>
+              <a:t>, </a:t>
+            </a:r>
+            <a:r>
+              <a:rPr lang="en-US" dirty="0" smtClean="0"/>
+              <a:t>Header length</a:t>
+            </a:r>
+            <a:r>
+              <a:rPr lang="sr-Latn-RS" dirty="0" smtClean="0"/>
+              <a:t>, </a:t>
+            </a:r>
+            <a:r>
+              <a:rPr lang="en-US" dirty="0" smtClean="0"/>
+              <a:t>Reserved</a:t>
+            </a:r>
+            <a:r>
+              <a:rPr lang="sr-Latn-RS" dirty="0" smtClean="0"/>
+              <a:t>, kontrolnih bita, </a:t>
+            </a:r>
+            <a:r>
+              <a:rPr lang="en-US" dirty="0" smtClean="0"/>
+              <a:t>Window</a:t>
+            </a:r>
+            <a:r>
+              <a:rPr lang="sr-Latn-RS" dirty="0" smtClean="0"/>
+              <a:t>, </a:t>
+            </a:r>
+            <a:r>
+              <a:rPr lang="en-US" dirty="0" smtClean="0"/>
+              <a:t>Checksum</a:t>
+            </a:r>
+            <a:r>
+              <a:rPr lang="sr-Latn-RS" dirty="0" smtClean="0"/>
+              <a:t>, </a:t>
+            </a:r>
+            <a:r>
+              <a:rPr lang="en-US" dirty="0" smtClean="0"/>
+              <a:t>Urgent pointer</a:t>
+            </a:r>
+            <a:r>
+              <a:rPr lang="sr-Latn-RS" dirty="0" smtClean="0"/>
+              <a:t> i </a:t>
+            </a:r>
+            <a:r>
+              <a:rPr lang="en-US" dirty="0" smtClean="0"/>
+              <a:t>Options</a:t>
+            </a:r>
+            <a:endParaRPr lang="sr-Latn-RS" dirty="0" smtClean="0"/>
+          </a:p>
+          <a:p>
+            <a:endParaRPr lang="en-US" dirty="0"/>
           </a:p>
         </p:txBody>
       </p:sp>
@@ -6972,7 +7550,7 @@
     </a:clrScheme>
     <a:fontScheme name="Facet">
       <a:majorFont>
-        <a:latin typeface="Trebuchet MS" panose="020B0603020202020204"/>
+        <a:latin typeface="Trebuchet MS"/>
         <a:ea typeface=""/>
         <a:cs typeface=""/>
         <a:font script="Jpan" typeface="メイリオ"/>
@@ -7007,7 +7585,7 @@
         <a:font script="Geor" typeface="Sylfaen"/>
       </a:majorFont>
       <a:minorFont>
-        <a:latin typeface="Trebuchet MS" panose="020B0603020202020204"/>
+        <a:latin typeface="Trebuchet MS"/>
         <a:ea typeface=""/>
         <a:cs typeface=""/>
         <a:font script="Jpan" typeface="メイリオ"/>
